--- a/srcdoc/ImageSource/Winring.pptx
+++ b/srcdoc/ImageSource/Winring.pptx
@@ -5979,7 +5979,7 @@
         </p:blipFill>
         <p:spPr>
           <a:xfrm>
-            <a:off x="4818239" y="1979261"/>
+            <a:off x="5190761" y="1441883"/>
             <a:ext cx="3374010" cy="2899477"/>
           </a:xfrm>
           <a:prstGeom prst="rect">
@@ -6163,8 +6163,8 @@
         </p:nvCxnSpPr>
         <p:spPr>
           <a:xfrm flipV="1">
-            <a:off x="5434302" y="4721518"/>
-            <a:ext cx="0" cy="1360860"/>
+            <a:off x="5806824" y="4184140"/>
+            <a:ext cx="0" cy="370144"/>
           </a:xfrm>
           <a:prstGeom prst="line">
             <a:avLst/>
@@ -6206,8 +6206,8 @@
         </p:nvCxnSpPr>
         <p:spPr>
           <a:xfrm flipV="1">
-            <a:off x="1017908" y="3479844"/>
-            <a:ext cx="25394" cy="2602534"/>
+            <a:off x="4783186" y="2233850"/>
+            <a:ext cx="15909" cy="2342888"/>
           </a:xfrm>
           <a:prstGeom prst="line">
             <a:avLst/>
@@ -6249,8 +6249,8 @@
         </p:nvCxnSpPr>
         <p:spPr>
           <a:xfrm>
-            <a:off x="1030605" y="6082378"/>
-            <a:ext cx="4403697" cy="0"/>
+            <a:off x="4770120" y="4554284"/>
+            <a:ext cx="1036704" cy="0"/>
           </a:xfrm>
           <a:prstGeom prst="line">
             <a:avLst/>
@@ -6292,8 +6292,8 @@
         </p:nvCxnSpPr>
         <p:spPr>
           <a:xfrm flipV="1">
-            <a:off x="5280099" y="4721693"/>
-            <a:ext cx="0" cy="1124389"/>
+            <a:off x="5652621" y="4184316"/>
+            <a:ext cx="0" cy="212424"/>
           </a:xfrm>
           <a:prstGeom prst="line">
             <a:avLst/>
@@ -6335,8 +6335,8 @@
         </p:nvCxnSpPr>
         <p:spPr>
           <a:xfrm flipV="1">
-            <a:off x="1210939" y="3274115"/>
-            <a:ext cx="0" cy="2571967"/>
+            <a:off x="4932833" y="2108276"/>
+            <a:ext cx="0" cy="2288465"/>
           </a:xfrm>
           <a:prstGeom prst="line">
             <a:avLst/>
@@ -6378,8 +6378,8 @@
         </p:nvCxnSpPr>
         <p:spPr>
           <a:xfrm>
-            <a:off x="1197504" y="5848340"/>
-            <a:ext cx="4080094" cy="1"/>
+            <a:off x="4922044" y="4385362"/>
+            <a:ext cx="730577" cy="0"/>
           </a:xfrm>
           <a:prstGeom prst="line">
             <a:avLst/>
@@ -6595,8 +6595,8 @@
         </p:nvCxnSpPr>
         <p:spPr>
           <a:xfrm flipV="1">
-            <a:off x="5975424" y="4725899"/>
-            <a:ext cx="0" cy="318111"/>
+            <a:off x="6346751" y="4188523"/>
+            <a:ext cx="1195" cy="495732"/>
           </a:xfrm>
           <a:prstGeom prst="line">
             <a:avLst/>
@@ -6640,8 +6640,8 @@
         </p:nvCxnSpPr>
         <p:spPr>
           <a:xfrm flipV="1">
-            <a:off x="6159500" y="4721519"/>
-            <a:ext cx="0" cy="444206"/>
+            <a:off x="6532022" y="4184142"/>
+            <a:ext cx="0" cy="673608"/>
           </a:xfrm>
           <a:prstGeom prst="line">
             <a:avLst/>
@@ -6683,8 +6683,8 @@
         </p:nvCxnSpPr>
         <p:spPr>
           <a:xfrm flipV="1">
-            <a:off x="6353175" y="4723485"/>
-            <a:ext cx="0" cy="597815"/>
+            <a:off x="6725697" y="4186108"/>
+            <a:ext cx="0" cy="838252"/>
           </a:xfrm>
           <a:prstGeom prst="line">
             <a:avLst/>
@@ -6726,8 +6726,8 @@
         </p:nvCxnSpPr>
         <p:spPr>
           <a:xfrm flipV="1">
-            <a:off x="6505244" y="4721519"/>
-            <a:ext cx="0" cy="747035"/>
+            <a:off x="6877766" y="4184142"/>
+            <a:ext cx="0" cy="981583"/>
           </a:xfrm>
           <a:prstGeom prst="line">
             <a:avLst/>
@@ -6769,8 +6769,8 @@
         </p:nvCxnSpPr>
         <p:spPr>
           <a:xfrm flipH="1">
-            <a:off x="4111699" y="5022392"/>
-            <a:ext cx="1889051" cy="0"/>
+            <a:off x="4111699" y="4684255"/>
+            <a:ext cx="2235053" cy="0"/>
           </a:xfrm>
           <a:prstGeom prst="line">
             <a:avLst/>
@@ -6814,8 +6814,8 @@
         </p:nvCxnSpPr>
         <p:spPr>
           <a:xfrm flipV="1">
-            <a:off x="4105275" y="4205201"/>
-            <a:ext cx="6424" cy="838809"/>
+            <a:off x="4111699" y="4205202"/>
+            <a:ext cx="0" cy="500148"/>
           </a:xfrm>
           <a:prstGeom prst="line">
             <a:avLst/>
@@ -6859,8 +6859,8 @@
         </p:nvCxnSpPr>
         <p:spPr>
           <a:xfrm flipV="1">
-            <a:off x="4260850" y="3949994"/>
-            <a:ext cx="0" cy="1215731"/>
+            <a:off x="4260850" y="3949995"/>
+            <a:ext cx="0" cy="907755"/>
           </a:xfrm>
           <a:prstGeom prst="line">
             <a:avLst/>
@@ -6902,8 +6902,8 @@
         </p:nvCxnSpPr>
         <p:spPr>
           <a:xfrm flipH="1">
-            <a:off x="4232275" y="5138665"/>
-            <a:ext cx="1955801" cy="0"/>
+            <a:off x="4286250" y="4829103"/>
+            <a:ext cx="2243386" cy="0"/>
           </a:xfrm>
           <a:prstGeom prst="line">
             <a:avLst/>
@@ -6945,8 +6945,8 @@
         </p:nvCxnSpPr>
         <p:spPr>
           <a:xfrm flipH="1" flipV="1">
-            <a:off x="4432300" y="5283887"/>
-            <a:ext cx="1943102" cy="11040"/>
+            <a:off x="4457700" y="4977379"/>
+            <a:ext cx="2276542" cy="10018"/>
           </a:xfrm>
           <a:prstGeom prst="line">
             <a:avLst/>
@@ -6988,8 +6988,8 @@
         </p:nvCxnSpPr>
         <p:spPr>
           <a:xfrm flipH="1">
-            <a:off x="4640946" y="5457369"/>
-            <a:ext cx="1888689" cy="0"/>
+            <a:off x="4660106" y="5136694"/>
+            <a:ext cx="2229351" cy="0"/>
           </a:xfrm>
           <a:prstGeom prst="line">
             <a:avLst/>
@@ -7031,8 +7031,8 @@
         </p:nvCxnSpPr>
         <p:spPr>
           <a:xfrm flipV="1">
-            <a:off x="4640946" y="3458168"/>
-            <a:ext cx="1471" cy="2044107"/>
+            <a:off x="4633082" y="3458169"/>
+            <a:ext cx="9335" cy="1707556"/>
           </a:xfrm>
           <a:prstGeom prst="line">
             <a:avLst/>
@@ -7075,7 +7075,7 @@
         <p:spPr>
           <a:xfrm flipV="1">
             <a:off x="4457700" y="3720186"/>
-            <a:ext cx="0" cy="1601114"/>
+            <a:ext cx="0" cy="1267211"/>
           </a:xfrm>
           <a:prstGeom prst="line">
             <a:avLst/>
@@ -7115,7 +7115,7 @@
         </p:nvSpPr>
         <p:spPr>
           <a:xfrm rot="5400000">
-            <a:off x="914995" y="4972792"/>
+            <a:off x="1093899" y="4984255"/>
             <a:ext cx="1058017" cy="1161154"/>
           </a:xfrm>
           <a:prstGeom prst="arc">
@@ -7165,7 +7165,7 @@
         </p:nvSpPr>
         <p:spPr>
           <a:xfrm rot="5400000">
-            <a:off x="755220" y="4690920"/>
+            <a:off x="903095" y="4690919"/>
             <a:ext cx="1522592" cy="1747826"/>
           </a:xfrm>
           <a:prstGeom prst="arc">
@@ -7215,7 +7215,7 @@
         </p:nvSpPr>
         <p:spPr>
           <a:xfrm rot="5400000">
-            <a:off x="433454" y="4527811"/>
+            <a:off x="606561" y="4527811"/>
             <a:ext cx="2021097" cy="2074043"/>
           </a:xfrm>
           <a:prstGeom prst="arc">
@@ -7302,7 +7302,7 @@
         </p:nvSpPr>
         <p:spPr>
           <a:xfrm>
-            <a:off x="5886524" y="1563073"/>
+            <a:off x="6259046" y="1025695"/>
             <a:ext cx="1576832" cy="353134"/>
           </a:xfrm>
           <a:prstGeom prst="upArrow">
@@ -7358,7 +7358,7 @@
         </p:nvSpPr>
         <p:spPr>
           <a:xfrm>
-            <a:off x="5572590" y="1009660"/>
+            <a:off x="5945112" y="472282"/>
             <a:ext cx="2111668" cy="523220"/>
           </a:xfrm>
           <a:prstGeom prst="rect">
@@ -7391,6 +7391,178 @@
           </a:p>
         </p:txBody>
       </p:sp>
+      <p:cxnSp>
+        <p:nvCxnSpPr>
+          <p:cNvPr id="46" name="Connecteur droit 45">
+            <a:extLst>
+              <a:ext uri="{FF2B5EF4-FFF2-40B4-BE49-F238E27FC236}">
+                <a16:creationId xmlns:a16="http://schemas.microsoft.com/office/drawing/2014/main" id="{CC38325D-7F07-4E5B-BFC5-F923DB8981D0}"/>
+              </a:ext>
+            </a:extLst>
+          </p:cNvPr>
+          <p:cNvCxnSpPr>
+            <a:cxnSpLocks/>
+          </p:cNvCxnSpPr>
+          <p:nvPr/>
+        </p:nvCxnSpPr>
+        <p:spPr>
+          <a:xfrm flipH="1">
+            <a:off x="1168400" y="2233850"/>
+            <a:ext cx="3640180" cy="12539"/>
+          </a:xfrm>
+          <a:prstGeom prst="line">
+            <a:avLst/>
+          </a:prstGeom>
+          <a:ln w="76200">
+            <a:solidFill>
+              <a:schemeClr val="tx1"/>
+            </a:solidFill>
+          </a:ln>
+        </p:spPr>
+        <p:style>
+          <a:lnRef idx="1">
+            <a:schemeClr val="accent1"/>
+          </a:lnRef>
+          <a:fillRef idx="0">
+            <a:schemeClr val="accent1"/>
+          </a:fillRef>
+          <a:effectRef idx="0">
+            <a:schemeClr val="accent1"/>
+          </a:effectRef>
+          <a:fontRef idx="minor">
+            <a:schemeClr val="tx1"/>
+          </a:fontRef>
+        </p:style>
+      </p:cxnSp>
+      <p:cxnSp>
+        <p:nvCxnSpPr>
+          <p:cNvPr id="47" name="Connecteur droit 46">
+            <a:extLst>
+              <a:ext uri="{FF2B5EF4-FFF2-40B4-BE49-F238E27FC236}">
+                <a16:creationId xmlns:a16="http://schemas.microsoft.com/office/drawing/2014/main" id="{F9D09C67-AF31-4AAE-9B07-E0461C77F1B0}"/>
+              </a:ext>
+            </a:extLst>
+          </p:cNvPr>
+          <p:cNvCxnSpPr>
+            <a:cxnSpLocks/>
+          </p:cNvCxnSpPr>
+          <p:nvPr/>
+        </p:nvCxnSpPr>
+        <p:spPr>
+          <a:xfrm flipH="1">
+            <a:off x="1047750" y="2108276"/>
+            <a:ext cx="3874295" cy="0"/>
+          </a:xfrm>
+          <a:prstGeom prst="line">
+            <a:avLst/>
+          </a:prstGeom>
+          <a:ln w="76200">
+            <a:solidFill>
+              <a:srgbClr val="7030A0"/>
+            </a:solidFill>
+          </a:ln>
+        </p:spPr>
+        <p:style>
+          <a:lnRef idx="1">
+            <a:schemeClr val="accent1"/>
+          </a:lnRef>
+          <a:fillRef idx="0">
+            <a:schemeClr val="accent1"/>
+          </a:fillRef>
+          <a:effectRef idx="0">
+            <a:schemeClr val="accent1"/>
+          </a:effectRef>
+          <a:fontRef idx="minor">
+            <a:schemeClr val="tx1"/>
+          </a:fontRef>
+        </p:style>
+      </p:cxnSp>
+      <p:cxnSp>
+        <p:nvCxnSpPr>
+          <p:cNvPr id="55" name="Connecteur droit 54">
+            <a:extLst>
+              <a:ext uri="{FF2B5EF4-FFF2-40B4-BE49-F238E27FC236}">
+                <a16:creationId xmlns:a16="http://schemas.microsoft.com/office/drawing/2014/main" id="{37818C00-EA83-4D42-9E4D-8906BC0FE85E}"/>
+              </a:ext>
+            </a:extLst>
+          </p:cNvPr>
+          <p:cNvCxnSpPr>
+            <a:cxnSpLocks/>
+          </p:cNvCxnSpPr>
+          <p:nvPr/>
+        </p:nvCxnSpPr>
+        <p:spPr>
+          <a:xfrm flipV="1">
+            <a:off x="1183597" y="2240119"/>
+            <a:ext cx="0" cy="1239725"/>
+          </a:xfrm>
+          <a:prstGeom prst="line">
+            <a:avLst/>
+          </a:prstGeom>
+          <a:ln w="76200">
+            <a:solidFill>
+              <a:schemeClr val="tx1"/>
+            </a:solidFill>
+          </a:ln>
+        </p:spPr>
+        <p:style>
+          <a:lnRef idx="1">
+            <a:schemeClr val="accent1"/>
+          </a:lnRef>
+          <a:fillRef idx="0">
+            <a:schemeClr val="accent1"/>
+          </a:fillRef>
+          <a:effectRef idx="0">
+            <a:schemeClr val="accent1"/>
+          </a:effectRef>
+          <a:fontRef idx="minor">
+            <a:schemeClr val="tx1"/>
+          </a:fontRef>
+        </p:style>
+      </p:cxnSp>
+      <p:cxnSp>
+        <p:nvCxnSpPr>
+          <p:cNvPr id="57" name="Connecteur droit 56">
+            <a:extLst>
+              <a:ext uri="{FF2B5EF4-FFF2-40B4-BE49-F238E27FC236}">
+                <a16:creationId xmlns:a16="http://schemas.microsoft.com/office/drawing/2014/main" id="{E85E1C18-1E4E-4D3B-8C28-526347056BBA}"/>
+              </a:ext>
+            </a:extLst>
+          </p:cNvPr>
+          <p:cNvCxnSpPr>
+            <a:cxnSpLocks/>
+          </p:cNvCxnSpPr>
+          <p:nvPr/>
+        </p:nvCxnSpPr>
+        <p:spPr>
+          <a:xfrm flipV="1">
+            <a:off x="1042331" y="2108276"/>
+            <a:ext cx="971" cy="1114496"/>
+          </a:xfrm>
+          <a:prstGeom prst="line">
+            <a:avLst/>
+          </a:prstGeom>
+          <a:ln w="76200">
+            <a:solidFill>
+              <a:srgbClr val="7030A0"/>
+            </a:solidFill>
+          </a:ln>
+        </p:spPr>
+        <p:style>
+          <a:lnRef idx="1">
+            <a:schemeClr val="accent1"/>
+          </a:lnRef>
+          <a:fillRef idx="0">
+            <a:schemeClr val="accent1"/>
+          </a:fillRef>
+          <a:effectRef idx="0">
+            <a:schemeClr val="accent1"/>
+          </a:effectRef>
+          <a:fontRef idx="minor">
+            <a:schemeClr val="tx1"/>
+          </a:fontRef>
+        </p:style>
+      </p:cxnSp>
     </p:spTree>
     <p:extLst>
       <p:ext uri="{BB962C8B-B14F-4D97-AF65-F5344CB8AC3E}">
